--- a/個人製作　企画.pptx
+++ b/個人製作　企画.pptx
@@ -7,7 +7,7 @@
   <p:sldIdLst>
     <p:sldId id="256" r:id="rId2"/>
     <p:sldId id="257" r:id="rId3"/>
-    <p:sldId id="258" r:id="rId4"/>
+    <p:sldId id="261" r:id="rId4"/>
     <p:sldId id="259" r:id="rId5"/>
     <p:sldId id="260" r:id="rId6"/>
   </p:sldIdLst>
@@ -108,6 +108,11 @@
       </a:defRPr>
     </a:lvl9pPr>
   </p:defaultTextStyle>
+  <p:extLst>
+    <p:ext uri="{EFAFB233-063F-42B5-8137-9DF3F51BA10A}">
+      <p15:sldGuideLst xmlns:p15="http://schemas.microsoft.com/office/powerpoint/2012/main"/>
+    </p:ext>
+  </p:extLst>
 </p:presentation>
 </file>
 
@@ -4419,18 +4424,112 @@
         <p:spPr>
           <a:xfrm>
             <a:off x="1371600" y="685800"/>
-            <a:ext cx="9601200" cy="672483"/>
-          </a:xfrm>
-        </p:spPr>
-        <p:txBody>
-          <a:bodyPr>
-            <a:normAutofit fontScale="90000"/>
+            <a:ext cx="3848470" cy="805649"/>
+          </a:xfrm>
+        </p:spPr>
+        <p:txBody>
+          <a:bodyPr/>
+          <a:lstStyle/>
+          <a:p>
+            <a:r>
+              <a:rPr kumimoji="1" lang="ja-JP" altLang="en-US" dirty="0" smtClean="0"/>
+              <a:t>ゲーム内容</a:t>
+            </a:r>
+            <a:endParaRPr kumimoji="1" lang="ja-JP" altLang="en-US" dirty="0"/>
+          </a:p>
+        </p:txBody>
+      </p:sp>
+      <p:sp>
+        <p:nvSpPr>
+          <p:cNvPr id="3" name="テキスト ボックス 2"/>
+          <p:cNvSpPr txBox="1"/>
+          <p:nvPr/>
+        </p:nvSpPr>
+        <p:spPr>
+          <a:xfrm>
+            <a:off x="1597981" y="1491449"/>
+            <a:ext cx="6968970" cy="369332"/>
+          </a:xfrm>
+          <a:prstGeom prst="rect">
+            <a:avLst/>
+          </a:prstGeom>
+          <a:noFill/>
+        </p:spPr>
+        <p:txBody>
+          <a:bodyPr wrap="square" rtlCol="0">
+            <a:spAutoFit/>
           </a:bodyPr>
           <a:lstStyle/>
           <a:p>
             <a:r>
               <a:rPr kumimoji="1" lang="ja-JP" altLang="en-US" dirty="0" smtClean="0"/>
-              <a:t>追加する要素</a:t>
+              <a:t>エリアを探索しながらボスを探して倒すことが目標</a:t>
+            </a:r>
+            <a:endParaRPr kumimoji="1" lang="ja-JP" altLang="en-US" dirty="0"/>
+          </a:p>
+        </p:txBody>
+      </p:sp>
+      <p:sp>
+        <p:nvSpPr>
+          <p:cNvPr id="4" name="テキスト ボックス 3"/>
+          <p:cNvSpPr txBox="1"/>
+          <p:nvPr/>
+        </p:nvSpPr>
+        <p:spPr>
+          <a:xfrm>
+            <a:off x="1597981" y="1860781"/>
+            <a:ext cx="9747683" cy="1754326"/>
+          </a:xfrm>
+          <a:prstGeom prst="rect">
+            <a:avLst/>
+          </a:prstGeom>
+          <a:noFill/>
+        </p:spPr>
+        <p:txBody>
+          <a:bodyPr wrap="square" rtlCol="0">
+            <a:spAutoFit/>
+          </a:bodyPr>
+          <a:lstStyle/>
+          <a:p>
+            <a:r>
+              <a:rPr kumimoji="1" lang="ja-JP" altLang="en-US" dirty="0" smtClean="0"/>
+              <a:t>・エリアを何種類か作り、行き来できるようにする。</a:t>
+            </a:r>
+            <a:endParaRPr kumimoji="1" lang="en-US" altLang="ja-JP" dirty="0" smtClean="0"/>
+          </a:p>
+          <a:p>
+            <a:r>
+              <a:rPr kumimoji="1" lang="ja-JP" altLang="en-US" dirty="0" smtClean="0"/>
+              <a:t>・ボスまでの間は敵を配置する。敵は５種類ぐらいを目安に作る。敵の体力はプレイヤーの近距離武器で３</a:t>
+            </a:r>
+            <a:r>
+              <a:rPr kumimoji="1" lang="en-US" altLang="ja-JP" dirty="0" smtClean="0"/>
+              <a:t>~</a:t>
+            </a:r>
+            <a:r>
+              <a:rPr kumimoji="1" lang="ja-JP" altLang="en-US" dirty="0" smtClean="0"/>
+              <a:t>８回遠距離武器は１～４回で倒せるようにして種類で体力を変える。</a:t>
+            </a:r>
+            <a:endParaRPr kumimoji="1" lang="en-US" altLang="ja-JP" dirty="0" smtClean="0"/>
+          </a:p>
+          <a:p>
+            <a:r>
+              <a:rPr kumimoji="1" lang="ja-JP" altLang="en-US" dirty="0" smtClean="0"/>
+              <a:t>・プレイヤーの体力は数字か、ゲージを表示させる。</a:t>
+            </a:r>
+            <a:endParaRPr kumimoji="1" lang="en-US" altLang="ja-JP" dirty="0" smtClean="0"/>
+          </a:p>
+          <a:p>
+            <a:r>
+              <a:rPr lang="ja-JP" altLang="en-US" dirty="0" smtClean="0"/>
+              <a:t>・マップを見れるようにする。</a:t>
+            </a:r>
+            <a:endParaRPr lang="en-US" altLang="ja-JP" dirty="0" smtClean="0"/>
+          </a:p>
+          <a:p>
+            <a:r>
+              <a:rPr kumimoji="1" lang="ja-JP" altLang="en-US" dirty="0" smtClean="0"/>
+              <a:t>・プレイヤーは二段ジャンプができる。</a:t>
             </a:r>
             <a:endParaRPr kumimoji="1" lang="ja-JP" altLang="en-US" dirty="0"/>
           </a:p>
@@ -4438,7 +4537,7 @@
       </p:sp>
       <p:pic>
         <p:nvPicPr>
-          <p:cNvPr id="3" name="図 2"/>
+          <p:cNvPr id="5" name="図 4"/>
           <p:cNvPicPr>
             <a:picLocks noChangeAspect="1"/>
           </p:cNvPicPr>
@@ -4458,8 +4557,8 @@
         </p:blipFill>
         <p:spPr>
           <a:xfrm>
-            <a:off x="2211928" y="2220807"/>
-            <a:ext cx="7349598" cy="4139769"/>
+            <a:off x="6840330" y="4110361"/>
+            <a:ext cx="5258453" cy="2683706"/>
           </a:xfrm>
           <a:prstGeom prst="rect">
             <a:avLst/>
@@ -4468,287 +4567,29 @@
       </p:pic>
       <p:sp>
         <p:nvSpPr>
-          <p:cNvPr id="10" name="線吹き出し 1 (枠付き) 9"/>
-          <p:cNvSpPr/>
+          <p:cNvPr id="6" name="テキスト ボックス 5"/>
+          <p:cNvSpPr txBox="1"/>
           <p:nvPr/>
         </p:nvSpPr>
         <p:spPr>
           <a:xfrm>
-            <a:off x="3151572" y="2459115"/>
-            <a:ext cx="1225119" cy="381828"/>
-          </a:xfrm>
-          <a:prstGeom prst="borderCallout1">
-            <a:avLst>
-              <a:gd name="adj1" fmla="val -2175"/>
-              <a:gd name="adj2" fmla="val 25725"/>
-              <a:gd name="adj3" fmla="val -131629"/>
-              <a:gd name="adj4" fmla="val 39928"/>
-            </a:avLst>
+            <a:off x="6840330" y="3678068"/>
+            <a:ext cx="5180035" cy="369332"/>
+          </a:xfrm>
+          <a:prstGeom prst="rect">
+            <a:avLst/>
           </a:prstGeom>
           <a:noFill/>
-          <a:ln>
-            <a:solidFill>
-              <a:schemeClr val="accent2">
-                <a:lumMod val="60000"/>
-                <a:lumOff val="40000"/>
-              </a:schemeClr>
-            </a:solidFill>
-          </a:ln>
-        </p:spPr>
-        <p:style>
-          <a:lnRef idx="2">
-            <a:schemeClr val="accent1">
-              <a:shade val="50000"/>
-            </a:schemeClr>
-          </a:lnRef>
-          <a:fillRef idx="1">
-            <a:schemeClr val="accent1"/>
-          </a:fillRef>
-          <a:effectRef idx="0">
-            <a:schemeClr val="accent1"/>
-          </a:effectRef>
-          <a:fontRef idx="minor">
-            <a:schemeClr val="lt1"/>
-          </a:fontRef>
-        </p:style>
-        <p:txBody>
-          <a:bodyPr rtlCol="0" anchor="ctr"/>
+        </p:spPr>
+        <p:txBody>
+          <a:bodyPr wrap="square" rtlCol="0">
+            <a:spAutoFit/>
+          </a:bodyPr>
           <a:lstStyle/>
           <a:p>
-            <a:pPr algn="ctr"/>
-            <a:endParaRPr kumimoji="1" lang="ja-JP" altLang="en-US"/>
-          </a:p>
-        </p:txBody>
-      </p:sp>
-      <p:sp>
-        <p:nvSpPr>
-          <p:cNvPr id="11" name="フローチャート: 処理 10"/>
-          <p:cNvSpPr/>
-          <p:nvPr/>
-        </p:nvSpPr>
-        <p:spPr>
-          <a:xfrm>
-            <a:off x="3151572" y="1589102"/>
-            <a:ext cx="1118587" cy="452673"/>
-          </a:xfrm>
-          <a:prstGeom prst="flowChartProcess">
-            <a:avLst/>
-          </a:prstGeom>
-        </p:spPr>
-        <p:style>
-          <a:lnRef idx="1">
-            <a:schemeClr val="accent2"/>
-          </a:lnRef>
-          <a:fillRef idx="2">
-            <a:schemeClr val="accent2"/>
-          </a:fillRef>
-          <a:effectRef idx="1">
-            <a:schemeClr val="accent2"/>
-          </a:effectRef>
-          <a:fontRef idx="minor">
-            <a:schemeClr val="dk1"/>
-          </a:fontRef>
-        </p:style>
-        <p:txBody>
-          <a:bodyPr rtlCol="0" anchor="ctr"/>
-          <a:lstStyle/>
-          <a:p>
-            <a:pPr algn="ctr"/>
             <a:r>
               <a:rPr kumimoji="1" lang="ja-JP" altLang="en-US" dirty="0" smtClean="0"/>
-              <a:t>体力</a:t>
-            </a:r>
-            <a:endParaRPr kumimoji="1" lang="ja-JP" altLang="en-US" dirty="0"/>
-          </a:p>
-        </p:txBody>
-      </p:sp>
-      <p:sp>
-        <p:nvSpPr>
-          <p:cNvPr id="12" name="線吹き出し 1 (枠付き) 11"/>
-          <p:cNvSpPr/>
-          <p:nvPr/>
-        </p:nvSpPr>
-        <p:spPr>
-          <a:xfrm>
-            <a:off x="5655076" y="4462415"/>
-            <a:ext cx="648070" cy="701427"/>
-          </a:xfrm>
-          <a:prstGeom prst="borderCallout1">
-            <a:avLst>
-              <a:gd name="adj1" fmla="val 38528"/>
-              <a:gd name="adj2" fmla="val 99073"/>
-              <a:gd name="adj3" fmla="val 21014"/>
-              <a:gd name="adj4" fmla="val 628681"/>
-            </a:avLst>
-          </a:prstGeom>
-          <a:noFill/>
-          <a:ln>
-            <a:solidFill>
-              <a:schemeClr val="accent2">
-                <a:lumMod val="60000"/>
-                <a:lumOff val="40000"/>
-              </a:schemeClr>
-            </a:solidFill>
-          </a:ln>
-        </p:spPr>
-        <p:style>
-          <a:lnRef idx="2">
-            <a:schemeClr val="accent1">
-              <a:shade val="50000"/>
-            </a:schemeClr>
-          </a:lnRef>
-          <a:fillRef idx="1">
-            <a:schemeClr val="accent1"/>
-          </a:fillRef>
-          <a:effectRef idx="0">
-            <a:schemeClr val="accent1"/>
-          </a:effectRef>
-          <a:fontRef idx="minor">
-            <a:schemeClr val="lt1"/>
-          </a:fontRef>
-        </p:style>
-        <p:txBody>
-          <a:bodyPr rtlCol="0" anchor="ctr"/>
-          <a:lstStyle/>
-          <a:p>
-            <a:pPr algn="ctr"/>
-            <a:endParaRPr kumimoji="1" lang="ja-JP" altLang="en-US"/>
-          </a:p>
-        </p:txBody>
-      </p:sp>
-      <p:sp>
-        <p:nvSpPr>
-          <p:cNvPr id="13" name="フローチャート: 処理 12"/>
-          <p:cNvSpPr/>
-          <p:nvPr/>
-        </p:nvSpPr>
-        <p:spPr>
-          <a:xfrm>
-            <a:off x="986808" y="3916531"/>
-            <a:ext cx="1118587" cy="452673"/>
-          </a:xfrm>
-          <a:prstGeom prst="flowChartProcess">
-            <a:avLst/>
-          </a:prstGeom>
-        </p:spPr>
-        <p:style>
-          <a:lnRef idx="1">
-            <a:schemeClr val="accent2"/>
-          </a:lnRef>
-          <a:fillRef idx="2">
-            <a:schemeClr val="accent2"/>
-          </a:fillRef>
-          <a:effectRef idx="1">
-            <a:schemeClr val="accent2"/>
-          </a:effectRef>
-          <a:fontRef idx="minor">
-            <a:schemeClr val="dk1"/>
-          </a:fontRef>
-        </p:style>
-        <p:txBody>
-          <a:bodyPr rtlCol="0" anchor="ctr"/>
-          <a:lstStyle/>
-          <a:p>
-            <a:pPr algn="ctr"/>
-            <a:r>
-              <a:rPr lang="ja-JP" altLang="en-US" dirty="0"/>
-              <a:t>敵</a:t>
-            </a:r>
-            <a:endParaRPr kumimoji="1" lang="ja-JP" altLang="en-US" dirty="0"/>
-          </a:p>
-        </p:txBody>
-      </p:sp>
-      <p:sp>
-        <p:nvSpPr>
-          <p:cNvPr id="14" name="線吹き出し 1 (枠付き) 13"/>
-          <p:cNvSpPr/>
-          <p:nvPr/>
-        </p:nvSpPr>
-        <p:spPr>
-          <a:xfrm>
-            <a:off x="3259583" y="4037677"/>
-            <a:ext cx="1225119" cy="1126165"/>
-          </a:xfrm>
-          <a:prstGeom prst="borderCallout1">
-            <a:avLst>
-              <a:gd name="adj1" fmla="val 30934"/>
-              <a:gd name="adj2" fmla="val 1812"/>
-              <a:gd name="adj3" fmla="val 13420"/>
-              <a:gd name="adj4" fmla="val -102826"/>
-            </a:avLst>
-          </a:prstGeom>
-          <a:noFill/>
-          <a:ln>
-            <a:solidFill>
-              <a:schemeClr val="accent2">
-                <a:lumMod val="60000"/>
-                <a:lumOff val="40000"/>
-              </a:schemeClr>
-            </a:solidFill>
-          </a:ln>
-        </p:spPr>
-        <p:style>
-          <a:lnRef idx="2">
-            <a:schemeClr val="accent1">
-              <a:shade val="50000"/>
-            </a:schemeClr>
-          </a:lnRef>
-          <a:fillRef idx="1">
-            <a:schemeClr val="accent1"/>
-          </a:fillRef>
-          <a:effectRef idx="0">
-            <a:schemeClr val="accent1"/>
-          </a:effectRef>
-          <a:fontRef idx="minor">
-            <a:schemeClr val="lt1"/>
-          </a:fontRef>
-        </p:style>
-        <p:txBody>
-          <a:bodyPr rtlCol="0" anchor="ctr"/>
-          <a:lstStyle/>
-          <a:p>
-            <a:pPr algn="ctr"/>
-            <a:endParaRPr kumimoji="1" lang="ja-JP" altLang="en-US"/>
-          </a:p>
-        </p:txBody>
-      </p:sp>
-      <p:sp>
-        <p:nvSpPr>
-          <p:cNvPr id="15" name="フローチャート: 処理 14"/>
-          <p:cNvSpPr/>
-          <p:nvPr/>
-        </p:nvSpPr>
-        <p:spPr>
-          <a:xfrm>
-            <a:off x="9623669" y="4453448"/>
-            <a:ext cx="1411275" cy="452673"/>
-          </a:xfrm>
-          <a:prstGeom prst="flowChartProcess">
-            <a:avLst/>
-          </a:prstGeom>
-        </p:spPr>
-        <p:style>
-          <a:lnRef idx="1">
-            <a:schemeClr val="accent2"/>
-          </a:lnRef>
-          <a:fillRef idx="2">
-            <a:schemeClr val="accent2"/>
-          </a:fillRef>
-          <a:effectRef idx="1">
-            <a:schemeClr val="accent2"/>
-          </a:effectRef>
-          <a:fontRef idx="minor">
-            <a:schemeClr val="dk1"/>
-          </a:fontRef>
-        </p:style>
-        <p:txBody>
-          <a:bodyPr rtlCol="0" anchor="ctr"/>
-          <a:lstStyle/>
-          <a:p>
-            <a:pPr algn="ctr"/>
-            <a:r>
-              <a:rPr lang="ja-JP" altLang="en-US" dirty="0"/>
-              <a:t>プレイヤー</a:t>
+              <a:t>下の画像のようにマップを見れるようにしたい</a:t>
             </a:r>
             <a:endParaRPr kumimoji="1" lang="ja-JP" altLang="en-US" dirty="0"/>
           </a:p>
@@ -4757,7 +4598,7 @@
     </p:spTree>
     <p:extLst>
       <p:ext uri="{BB962C8B-B14F-4D97-AF65-F5344CB8AC3E}">
-        <p14:creationId xmlns:p14="http://schemas.microsoft.com/office/powerpoint/2010/main" val="798963127"/>
+        <p14:creationId xmlns:p14="http://schemas.microsoft.com/office/powerpoint/2010/main" val="3998247205"/>
       </p:ext>
     </p:extLst>
   </p:cSld>
@@ -4806,7 +4647,7 @@
           <a:p>
             <a:r>
               <a:rPr kumimoji="1" lang="ja-JP" altLang="en-US" dirty="0" smtClean="0"/>
-              <a:t>他の要素</a:t>
+              <a:t>必要な要素</a:t>
             </a:r>
             <a:endParaRPr kumimoji="1" lang="ja-JP" altLang="en-US" dirty="0"/>
           </a:p>
@@ -4821,7 +4662,7 @@
         <p:spPr>
           <a:xfrm>
             <a:off x="1300579" y="1331650"/>
-            <a:ext cx="5262979" cy="2585323"/>
+            <a:ext cx="5262979" cy="3416320"/>
           </a:xfrm>
           <a:prstGeom prst="rect">
             <a:avLst/>
@@ -4836,7 +4677,43 @@
           <a:p>
             <a:r>
               <a:rPr kumimoji="1" lang="ja-JP" altLang="en-US" dirty="0" smtClean="0"/>
-              <a:t>・エリア</a:t>
+              <a:t>・プレイヤー</a:t>
+            </a:r>
+            <a:endParaRPr kumimoji="1" lang="en-US" altLang="ja-JP" dirty="0" smtClean="0"/>
+          </a:p>
+          <a:p>
+            <a:r>
+              <a:rPr lang="ja-JP" altLang="en-US" dirty="0" smtClean="0"/>
+              <a:t>・敵</a:t>
+            </a:r>
+            <a:endParaRPr lang="en-US" altLang="ja-JP" dirty="0" smtClean="0"/>
+          </a:p>
+          <a:p>
+            <a:r>
+              <a:rPr lang="ja-JP" altLang="en-US" dirty="0"/>
+              <a:t>・</a:t>
+            </a:r>
+            <a:r>
+              <a:rPr lang="ja-JP" altLang="en-US" dirty="0" smtClean="0"/>
+              <a:t>ボス</a:t>
+            </a:r>
+            <a:endParaRPr lang="en-US" altLang="ja-JP" dirty="0" smtClean="0"/>
+          </a:p>
+          <a:p>
+            <a:r>
+              <a:rPr kumimoji="1" lang="ja-JP" altLang="en-US" dirty="0" smtClean="0"/>
+              <a:t>・体力</a:t>
+            </a:r>
+            <a:endParaRPr kumimoji="1" lang="en-US" altLang="ja-JP" dirty="0" smtClean="0"/>
+          </a:p>
+          <a:p>
+            <a:r>
+              <a:rPr kumimoji="1" lang="ja-JP" altLang="en-US" dirty="0" smtClean="0"/>
+              <a:t>・</a:t>
+            </a:r>
+            <a:r>
+              <a:rPr kumimoji="1" lang="ja-JP" altLang="en-US" dirty="0" smtClean="0"/>
+              <a:t>エリア</a:t>
             </a:r>
             <a:endParaRPr lang="en-US" altLang="ja-JP" dirty="0" smtClean="0"/>
           </a:p>
@@ -4856,15 +4733,12 @@
           </a:p>
           <a:p>
             <a:r>
-              <a:rPr lang="ja-JP" altLang="en-US" dirty="0" smtClean="0"/>
-              <a:t>・ボス</a:t>
-            </a:r>
-            <a:endParaRPr lang="en-US" altLang="ja-JP" dirty="0" smtClean="0"/>
-          </a:p>
-          <a:p>
-            <a:r>
               <a:rPr kumimoji="1" lang="ja-JP" altLang="en-US" dirty="0" smtClean="0"/>
-              <a:t>・プレイヤーと敵の攻撃（近距離、遠距離攻撃）</a:t>
+              <a:t>・</a:t>
+            </a:r>
+            <a:r>
+              <a:rPr kumimoji="1" lang="ja-JP" altLang="en-US" dirty="0" smtClean="0"/>
+              <a:t>プレイヤーと敵の攻撃（近距離、遠距離攻撃）</a:t>
             </a:r>
             <a:endParaRPr kumimoji="1" lang="en-US" altLang="ja-JP" dirty="0" smtClean="0"/>
           </a:p>
@@ -4965,7 +4839,7 @@
         <p:spPr>
           <a:xfrm>
             <a:off x="1944209" y="2015230"/>
-            <a:ext cx="7546019" cy="2862322"/>
+            <a:ext cx="7546019" cy="3139321"/>
           </a:xfrm>
           <a:prstGeom prst="rect">
             <a:avLst/>
@@ -5051,7 +4925,18 @@
           <a:p>
             <a:r>
               <a:rPr lang="ja-JP" altLang="en-US" dirty="0" smtClean="0"/>
-              <a:t>・攻撃</a:t>
+              <a:t>・</a:t>
+            </a:r>
+            <a:r>
+              <a:rPr lang="ja-JP" altLang="en-US" dirty="0" smtClean="0"/>
+              <a:t>攻撃</a:t>
+            </a:r>
+            <a:endParaRPr lang="en-US" altLang="ja-JP" dirty="0" smtClean="0"/>
+          </a:p>
+          <a:p>
+            <a:r>
+              <a:rPr kumimoji="1" lang="ja-JP" altLang="en-US" smtClean="0"/>
+              <a:t>・マップ表示</a:t>
             </a:r>
             <a:endParaRPr kumimoji="1" lang="en-US" altLang="ja-JP" dirty="0" smtClean="0"/>
           </a:p>
